--- a/Rendu entreprise/Hortonworks.pptx
+++ b/Rendu entreprise/Hortonworks.pptx
@@ -105,12 +105,17 @@
       </a:defRPr>
     </a:lvl9pPr>
   </p:defaultTextStyle>
+  <p:extLst>
+    <p:ext uri="{EFAFB233-063F-42B5-8137-9DF3F51BA10A}">
+      <p15:sldGuideLst xmlns:p15="http://schemas.microsoft.com/office/powerpoint/2012/main"/>
+    </p:ext>
+  </p:extLst>
 </p:presentation>
 </file>
 
 <file path=ppt/commentAuthors.xml><?xml version="1.0" encoding="utf-8"?>
 <p:cmAuthorLst xmlns:a="http://schemas.openxmlformats.org/drawingml/2006/main" xmlns:r="http://schemas.openxmlformats.org/officeDocument/2006/relationships" xmlns:p="http://schemas.openxmlformats.org/presentationml/2006/main">
-  <p:cmAuthor id="1" name="anthony gregori" initials="ag" lastIdx="1" clrIdx="0">
+  <p:cmAuthor id="1" name="anthony gregori" initials="ag" lastIdx="2" clrIdx="0">
     <p:extLst>
       <p:ext uri="{19B8F6BF-5375-455C-9EA6-DF929625EA0E}">
         <p15:presenceInfo xmlns:p15="http://schemas.microsoft.com/office/powerpoint/2012/main" userId="c3a3bd166e477f70" providerId="Windows Live"/>
@@ -128,6 +133,17 @@
     <p:extLst>
       <p:ext uri="{C676402C-5697-4E1C-873F-D02D1690AC5C}">
         <p15:threadingInfo xmlns:p15="http://schemas.microsoft.com/office/powerpoint/2012/main" timeZoneBias="-120"/>
+      </p:ext>
+    </p:extLst>
+  </p:cm>
+  <p:cm authorId="1" dt="2016-10-29T12:00:44.051" idx="2">
+    <p:pos x="10" y="146"/>
+    <p:text>tarifs non trouvé</p:text>
+    <p:extLst>
+      <p:ext uri="{C676402C-5697-4E1C-873F-D02D1690AC5C}">
+        <p15:threadingInfo xmlns:p15="http://schemas.microsoft.com/office/powerpoint/2012/main" timeZoneBias="-120">
+          <p15:parentCm authorId="1" idx="1"/>
+        </p15:threadingInfo>
       </p:ext>
     </p:extLst>
   </p:cm>
@@ -179,7 +195,6 @@
               <a:rPr lang="fr-FR"/>
               <a:t>Modifiez le style du titre</a:t>
             </a:r>
-            <a:endParaRPr lang="fr-FR"/>
           </a:p>
         </p:txBody>
       </p:sp>
@@ -244,7 +259,6 @@
               <a:rPr lang="fr-FR"/>
               <a:t>Modifier le style des sous-titres du masque</a:t>
             </a:r>
-            <a:endParaRPr lang="fr-FR"/>
           </a:p>
         </p:txBody>
       </p:sp>
@@ -265,7 +279,7 @@
           <a:p>
             <a:fld id="{C42D142D-D41A-4E84-B457-2ACF25B32EBB}" type="datetimeFigureOut">
               <a:rPr lang="fr-FR" smtClean="0"/>
-              <a:t>25/10/2016</a:t>
+              <a:t>29/10/2016</a:t>
             </a:fld>
             <a:endParaRPr lang="fr-FR"/>
           </a:p>
@@ -362,7 +376,6 @@
               <a:rPr lang="fr-FR"/>
               <a:t>Modifiez le style du titre</a:t>
             </a:r>
-            <a:endParaRPr lang="fr-FR"/>
           </a:p>
         </p:txBody>
       </p:sp>
@@ -414,7 +427,6 @@
               <a:rPr lang="fr-FR"/>
               <a:t>Cinquième niveau</a:t>
             </a:r>
-            <a:endParaRPr lang="fr-FR"/>
           </a:p>
         </p:txBody>
       </p:sp>
@@ -435,7 +447,7 @@
           <a:p>
             <a:fld id="{C42D142D-D41A-4E84-B457-2ACF25B32EBB}" type="datetimeFigureOut">
               <a:rPr lang="fr-FR" smtClean="0"/>
-              <a:t>25/10/2016</a:t>
+              <a:t>29/10/2016</a:t>
             </a:fld>
             <a:endParaRPr lang="fr-FR"/>
           </a:p>
@@ -537,7 +549,6 @@
               <a:rPr lang="fr-FR"/>
               <a:t>Modifiez le style du titre</a:t>
             </a:r>
-            <a:endParaRPr lang="fr-FR"/>
           </a:p>
         </p:txBody>
       </p:sp>
@@ -594,7 +605,6 @@
               <a:rPr lang="fr-FR"/>
               <a:t>Cinquième niveau</a:t>
             </a:r>
-            <a:endParaRPr lang="fr-FR"/>
           </a:p>
         </p:txBody>
       </p:sp>
@@ -615,7 +625,7 @@
           <a:p>
             <a:fld id="{C42D142D-D41A-4E84-B457-2ACF25B32EBB}" type="datetimeFigureOut">
               <a:rPr lang="fr-FR" smtClean="0"/>
-              <a:t>25/10/2016</a:t>
+              <a:t>29/10/2016</a:t>
             </a:fld>
             <a:endParaRPr lang="fr-FR"/>
           </a:p>
@@ -712,7 +722,6 @@
               <a:rPr lang="fr-FR"/>
               <a:t>Modifiez le style du titre</a:t>
             </a:r>
-            <a:endParaRPr lang="fr-FR"/>
           </a:p>
         </p:txBody>
       </p:sp>
@@ -764,7 +773,6 @@
               <a:rPr lang="fr-FR"/>
               <a:t>Cinquième niveau</a:t>
             </a:r>
-            <a:endParaRPr lang="fr-FR"/>
           </a:p>
         </p:txBody>
       </p:sp>
@@ -785,7 +793,7 @@
           <a:p>
             <a:fld id="{C42D142D-D41A-4E84-B457-2ACF25B32EBB}" type="datetimeFigureOut">
               <a:rPr lang="fr-FR" smtClean="0"/>
-              <a:t>25/10/2016</a:t>
+              <a:t>29/10/2016</a:t>
             </a:fld>
             <a:endParaRPr lang="fr-FR"/>
           </a:p>
@@ -891,7 +899,6 @@
               <a:rPr lang="fr-FR"/>
               <a:t>Modifiez le style du titre</a:t>
             </a:r>
-            <a:endParaRPr lang="fr-FR"/>
           </a:p>
         </p:txBody>
       </p:sp>
@@ -1031,7 +1038,7 @@
           <a:p>
             <a:fld id="{C42D142D-D41A-4E84-B457-2ACF25B32EBB}" type="datetimeFigureOut">
               <a:rPr lang="fr-FR" smtClean="0"/>
-              <a:t>25/10/2016</a:t>
+              <a:t>29/10/2016</a:t>
             </a:fld>
             <a:endParaRPr lang="fr-FR"/>
           </a:p>
@@ -1128,7 +1135,6 @@
               <a:rPr lang="fr-FR"/>
               <a:t>Modifiez le style du titre</a:t>
             </a:r>
-            <a:endParaRPr lang="fr-FR"/>
           </a:p>
         </p:txBody>
       </p:sp>
@@ -1185,7 +1191,6 @@
               <a:rPr lang="fr-FR"/>
               <a:t>Cinquième niveau</a:t>
             </a:r>
-            <a:endParaRPr lang="fr-FR"/>
           </a:p>
         </p:txBody>
       </p:sp>
@@ -1242,7 +1247,6 @@
               <a:rPr lang="fr-FR"/>
               <a:t>Cinquième niveau</a:t>
             </a:r>
-            <a:endParaRPr lang="fr-FR"/>
           </a:p>
         </p:txBody>
       </p:sp>
@@ -1263,7 +1267,7 @@
           <a:p>
             <a:fld id="{C42D142D-D41A-4E84-B457-2ACF25B32EBB}" type="datetimeFigureOut">
               <a:rPr lang="fr-FR" smtClean="0"/>
-              <a:t>25/10/2016</a:t>
+              <a:t>29/10/2016</a:t>
             </a:fld>
             <a:endParaRPr lang="fr-FR"/>
           </a:p>
@@ -1365,7 +1369,6 @@
               <a:rPr lang="fr-FR"/>
               <a:t>Modifiez le style du titre</a:t>
             </a:r>
-            <a:endParaRPr lang="fr-FR"/>
           </a:p>
         </p:txBody>
       </p:sp>
@@ -1487,7 +1490,6 @@
               <a:rPr lang="fr-FR"/>
               <a:t>Cinquième niveau</a:t>
             </a:r>
-            <a:endParaRPr lang="fr-FR"/>
           </a:p>
         </p:txBody>
       </p:sp>
@@ -1609,7 +1611,6 @@
               <a:rPr lang="fr-FR"/>
               <a:t>Cinquième niveau</a:t>
             </a:r>
-            <a:endParaRPr lang="fr-FR"/>
           </a:p>
         </p:txBody>
       </p:sp>
@@ -1630,7 +1631,7 @@
           <a:p>
             <a:fld id="{C42D142D-D41A-4E84-B457-2ACF25B32EBB}" type="datetimeFigureOut">
               <a:rPr lang="fr-FR" smtClean="0"/>
-              <a:t>25/10/2016</a:t>
+              <a:t>29/10/2016</a:t>
             </a:fld>
             <a:endParaRPr lang="fr-FR"/>
           </a:p>
@@ -1727,7 +1728,6 @@
               <a:rPr lang="fr-FR"/>
               <a:t>Modifiez le style du titre</a:t>
             </a:r>
-            <a:endParaRPr lang="fr-FR"/>
           </a:p>
         </p:txBody>
       </p:sp>
@@ -1748,7 +1748,7 @@
           <a:p>
             <a:fld id="{C42D142D-D41A-4E84-B457-2ACF25B32EBB}" type="datetimeFigureOut">
               <a:rPr lang="fr-FR" smtClean="0"/>
-              <a:t>25/10/2016</a:t>
+              <a:t>29/10/2016</a:t>
             </a:fld>
             <a:endParaRPr lang="fr-FR"/>
           </a:p>
@@ -1843,7 +1843,7 @@
           <a:p>
             <a:fld id="{C42D142D-D41A-4E84-B457-2ACF25B32EBB}" type="datetimeFigureOut">
               <a:rPr lang="fr-FR" smtClean="0"/>
-              <a:t>25/10/2016</a:t>
+              <a:t>29/10/2016</a:t>
             </a:fld>
             <a:endParaRPr lang="fr-FR"/>
           </a:p>
@@ -1949,7 +1949,6 @@
               <a:rPr lang="fr-FR"/>
               <a:t>Modifiez le style du titre</a:t>
             </a:r>
-            <a:endParaRPr lang="fr-FR"/>
           </a:p>
         </p:txBody>
       </p:sp>
@@ -2034,7 +2033,6 @@
               <a:rPr lang="fr-FR"/>
               <a:t>Cinquième niveau</a:t>
             </a:r>
-            <a:endParaRPr lang="fr-FR"/>
           </a:p>
         </p:txBody>
       </p:sp>
@@ -2120,7 +2118,7 @@
           <a:p>
             <a:fld id="{C42D142D-D41A-4E84-B457-2ACF25B32EBB}" type="datetimeFigureOut">
               <a:rPr lang="fr-FR" smtClean="0"/>
-              <a:t>25/10/2016</a:t>
+              <a:t>29/10/2016</a:t>
             </a:fld>
             <a:endParaRPr lang="fr-FR"/>
           </a:p>
@@ -2226,7 +2224,6 @@
               <a:rPr lang="fr-FR"/>
               <a:t>Modifiez le style du titre</a:t>
             </a:r>
-            <a:endParaRPr lang="fr-FR"/>
           </a:p>
         </p:txBody>
       </p:sp>
@@ -2373,7 +2370,7 @@
           <a:p>
             <a:fld id="{C42D142D-D41A-4E84-B457-2ACF25B32EBB}" type="datetimeFigureOut">
               <a:rPr lang="fr-FR" smtClean="0"/>
-              <a:t>25/10/2016</a:t>
+              <a:t>29/10/2016</a:t>
             </a:fld>
             <a:endParaRPr lang="fr-FR"/>
           </a:p>
@@ -2485,7 +2482,6 @@
               <a:rPr lang="fr-FR"/>
               <a:t>Modifiez le style du titre</a:t>
             </a:r>
-            <a:endParaRPr lang="fr-FR"/>
           </a:p>
         </p:txBody>
       </p:sp>
@@ -2547,7 +2543,6 @@
               <a:rPr lang="fr-FR"/>
               <a:t>Cinquième niveau</a:t>
             </a:r>
-            <a:endParaRPr lang="fr-FR"/>
           </a:p>
         </p:txBody>
       </p:sp>
@@ -2586,7 +2581,7 @@
           <a:p>
             <a:fld id="{C42D142D-D41A-4E84-B457-2ACF25B32EBB}" type="datetimeFigureOut">
               <a:rPr lang="fr-FR" smtClean="0"/>
-              <a:t>25/10/2016</a:t>
+              <a:t>29/10/2016</a:t>
             </a:fld>
             <a:endParaRPr lang="fr-FR"/>
           </a:p>
@@ -3043,15 +3038,47 @@
             </a:r>
             <a:r>
               <a:rPr lang="fr-FR" dirty="0"/>
-              <a:t> (HDP) #</a:t>
+              <a:t> (HDP), développé par des spécialiste de </a:t>
             </a:r>
             <a:r>
               <a:rPr lang="fr-FR" dirty="0" err="1"/>
-              <a:t>resumé</a:t>
+              <a:t>hadoop</a:t>
             </a:r>
             <a:r>
               <a:rPr lang="fr-FR" dirty="0"/>
-              <a:t> </a:t>
+              <a:t> chez </a:t>
+            </a:r>
+            <a:r>
+              <a:rPr lang="fr-FR" dirty="0" err="1"/>
+              <a:t>yahoo</a:t>
+            </a:r>
+            <a:r>
+              <a:rPr lang="fr-FR" dirty="0"/>
+              <a:t>, elle utilise 100% des composants </a:t>
+            </a:r>
+            <a:r>
+              <a:rPr lang="fr-FR" dirty="0" err="1"/>
+              <a:t>opensource</a:t>
+            </a:r>
+            <a:r>
+              <a:rPr lang="fr-FR" dirty="0"/>
+              <a:t> Apache. L’objectif de </a:t>
+            </a:r>
+            <a:r>
+              <a:rPr lang="fr-FR" dirty="0" err="1"/>
+              <a:t>hortonworks</a:t>
+            </a:r>
+            <a:r>
+              <a:rPr lang="fr-FR" dirty="0"/>
+              <a:t> est de faciliter l’adoption de la plateforme </a:t>
+            </a:r>
+            <a:r>
+              <a:rPr lang="fr-FR" dirty="0" err="1"/>
+              <a:t>hadoop</a:t>
+            </a:r>
+            <a:r>
+              <a:rPr lang="fr-FR" dirty="0"/>
+              <a:t> d’Apache. </a:t>
             </a:r>
           </a:p>
         </p:txBody>
